--- a/ppt/R-13-KNN.pptx
+++ b/ppt/R-13-KNN.pptx
@@ -5,10 +5,10 @@
     <p:sldMasterId id="2147483653" r:id="rId1"/>
   </p:sldMasterIdLst>
   <p:notesMasterIdLst>
-    <p:notesMasterId r:id="rId29"/>
+    <p:notesMasterId r:id="rId28"/>
   </p:notesMasterIdLst>
   <p:handoutMasterIdLst>
-    <p:handoutMasterId r:id="rId30"/>
+    <p:handoutMasterId r:id="rId29"/>
   </p:handoutMasterIdLst>
   <p:sldIdLst>
     <p:sldId id="264" r:id="rId2"/>
@@ -37,7 +37,6 @@
     <p:sldId id="289" r:id="rId25"/>
     <p:sldId id="288" r:id="rId26"/>
     <p:sldId id="292" r:id="rId27"/>
-    <p:sldId id="291" r:id="rId28"/>
   </p:sldIdLst>
   <p:sldSz cx="9144000" cy="6858000" type="screen4x3"/>
   <p:notesSz cx="6648450" cy="9782175"/>
@@ -3987,6 +3986,13 @@
   <p:clrMapOvr>
     <a:masterClrMapping/>
   </p:clrMapOvr>
+  <p:timing>
+    <p:tnLst>
+      <p:par>
+        <p:cTn id="1" dur="indefinite" restart="never" nodeType="tmRoot"/>
+      </p:par>
+    </p:tnLst>
+  </p:timing>
 </p:sld>
 </file>
 
@@ -4236,6 +4242,13 @@
   <p:clrMapOvr>
     <a:masterClrMapping/>
   </p:clrMapOvr>
+  <p:timing>
+    <p:tnLst>
+      <p:par>
+        <p:cTn id="1" dur="indefinite" restart="never" nodeType="tmRoot"/>
+      </p:par>
+    </p:tnLst>
+  </p:timing>
 </p:sld>
 </file>
 
@@ -4680,6 +4693,13 @@
   <p:clrMapOvr>
     <a:masterClrMapping/>
   </p:clrMapOvr>
+  <p:timing>
+    <p:tnLst>
+      <p:par>
+        <p:cTn id="1" dur="indefinite" restart="never" nodeType="tmRoot"/>
+      </p:par>
+    </p:tnLst>
+  </p:timing>
 </p:sld>
 </file>
 
@@ -4934,6 +4954,13 @@
   <p:clrMapOvr>
     <a:masterClrMapping/>
   </p:clrMapOvr>
+  <p:timing>
+    <p:tnLst>
+      <p:par>
+        <p:cTn id="1" dur="indefinite" restart="never" nodeType="tmRoot"/>
+      </p:par>
+    </p:tnLst>
+  </p:timing>
 </p:sld>
 </file>
 
@@ -5051,6 +5078,13 @@
   <p:clrMapOvr>
     <a:masterClrMapping/>
   </p:clrMapOvr>
+  <p:timing>
+    <p:tnLst>
+      <p:par>
+        <p:cTn id="1" dur="indefinite" restart="never" nodeType="tmRoot"/>
+      </p:par>
+    </p:tnLst>
+  </p:timing>
 </p:sld>
 </file>
 
@@ -5181,6 +5215,13 @@
   <p:clrMapOvr>
     <a:masterClrMapping/>
   </p:clrMapOvr>
+  <p:timing>
+    <p:tnLst>
+      <p:par>
+        <p:cTn id="1" dur="indefinite" restart="never" nodeType="tmRoot"/>
+      </p:par>
+    </p:tnLst>
+  </p:timing>
 </p:sld>
 </file>
 
@@ -6604,12 +6645,49 @@
               <a:t>=100</a:t>
             </a:r>
             <a:r>
-              <a:rPr lang="fr-FR" dirty="0">
+              <a:rPr lang="fr-FR" dirty="0" smtClean="0">
                 <a:latin typeface="Courier New" panose="02070309020205020404" pitchFamily="49" charset="0"/>
                 <a:cs typeface="Courier New" panose="02070309020205020404" pitchFamily="49" charset="0"/>
               </a:rPr>
               <a:t>)</a:t>
             </a:r>
+          </a:p>
+          <a:p>
+            <a:r>
+              <a:rPr lang="fr-FR" dirty="0" smtClean="0"/>
+              <a:t>Peu déterminer l'importance de chacune des </a:t>
+            </a:r>
+            <a:r>
+              <a:rPr lang="fr-FR" dirty="0" err="1" smtClean="0"/>
+              <a:t>features</a:t>
+            </a:r>
+            <a:endParaRPr lang="fr-FR" dirty="0" smtClean="0"/>
+          </a:p>
+          <a:p>
+            <a:pPr lvl="1"/>
+            <a:r>
+              <a:rPr lang="fr-FR" dirty="0" err="1" smtClean="0"/>
+              <a:t>varImp</a:t>
+            </a:r>
+            <a:r>
+              <a:rPr lang="fr-FR" dirty="0" smtClean="0"/>
+              <a:t>(</a:t>
+            </a:r>
+            <a:r>
+              <a:rPr lang="fr-FR" dirty="0" err="1" smtClean="0"/>
+              <a:t>rf.fit</a:t>
+            </a:r>
+            <a:r>
+              <a:rPr lang="fr-FR" smtClean="0"/>
+              <a:t>)</a:t>
+            </a:r>
+            <a:endParaRPr lang="fr-FR" dirty="0"/>
+          </a:p>
+          <a:p>
+            <a:endParaRPr lang="fr-FR" dirty="0">
+              <a:latin typeface="Courier New" panose="02070309020205020404" pitchFamily="49" charset="0"/>
+              <a:cs typeface="Courier New" panose="02070309020205020404" pitchFamily="49" charset="0"/>
+            </a:endParaRPr>
           </a:p>
         </p:txBody>
       </p:sp>
@@ -6839,105 +6917,6 @@
 </p:sld>
 </file>
 
-<file path=ppt/slides/slide27.xml><?xml version="1.0" encoding="utf-8"?>
-<p:sld xmlns:a="http://schemas.openxmlformats.org/drawingml/2006/main" xmlns:r="http://schemas.openxmlformats.org/officeDocument/2006/relationships" xmlns:p="http://schemas.openxmlformats.org/presentationml/2006/main">
-  <p:cSld>
-    <p:spTree>
-      <p:nvGrpSpPr>
-        <p:cNvPr id="1" name=""/>
-        <p:cNvGrpSpPr/>
-        <p:nvPr/>
-      </p:nvGrpSpPr>
-      <p:grpSpPr>
-        <a:xfrm>
-          <a:off x="0" y="0"/>
-          <a:ext cx="0" cy="0"/>
-          <a:chOff x="0" y="0"/>
-          <a:chExt cx="0" cy="0"/>
-        </a:xfrm>
-      </p:grpSpPr>
-      <p:sp>
-        <p:nvSpPr>
-          <p:cNvPr id="2" name="Titre 1"/>
-          <p:cNvSpPr>
-            <a:spLocks noGrp="1"/>
-          </p:cNvSpPr>
-          <p:nvPr>
-            <p:ph type="title"/>
-          </p:nvPr>
-        </p:nvSpPr>
-        <p:spPr/>
-        <p:txBody>
-          <a:bodyPr/>
-          <a:lstStyle/>
-          <a:p>
-            <a:r>
-              <a:rPr lang="fr-FR" dirty="0" smtClean="0"/>
-              <a:t>Comparaison des algorithmes</a:t>
-            </a:r>
-            <a:endParaRPr lang="fr-FR" dirty="0"/>
-          </a:p>
-        </p:txBody>
-      </p:sp>
-      <p:sp>
-        <p:nvSpPr>
-          <p:cNvPr id="3" name="Espace réservé du contenu 2"/>
-          <p:cNvSpPr>
-            <a:spLocks noGrp="1"/>
-          </p:cNvSpPr>
-          <p:nvPr>
-            <p:ph idx="1"/>
-          </p:nvPr>
-        </p:nvSpPr>
-        <p:spPr/>
-        <p:txBody>
-          <a:bodyPr/>
-          <a:lstStyle/>
-          <a:p>
-            <a:pPr marL="0" indent="0">
-              <a:buNone/>
-            </a:pPr>
-            <a:endParaRPr lang="fr-FR" dirty="0"/>
-          </a:p>
-        </p:txBody>
-      </p:sp>
-      <p:pic>
-        <p:nvPicPr>
-          <p:cNvPr id="4" name="Image 3"/>
-          <p:cNvPicPr>
-            <a:picLocks noChangeAspect="1"/>
-          </p:cNvPicPr>
-          <p:nvPr/>
-        </p:nvPicPr>
-        <p:blipFill>
-          <a:blip r:embed="rId2"/>
-          <a:stretch>
-            <a:fillRect/>
-          </a:stretch>
-        </p:blipFill>
-        <p:spPr>
-          <a:xfrm>
-            <a:off x="422077" y="1170535"/>
-            <a:ext cx="8280920" cy="5286147"/>
-          </a:xfrm>
-          <a:prstGeom prst="rect">
-            <a:avLst/>
-          </a:prstGeom>
-        </p:spPr>
-      </p:pic>
-    </p:spTree>
-    <p:extLst>
-      <p:ext uri="{BB962C8B-B14F-4D97-AF65-F5344CB8AC3E}">
-        <p14:creationId xmlns:p14="http://schemas.microsoft.com/office/powerpoint/2010/main" val="1798101212"/>
-      </p:ext>
-    </p:extLst>
-  </p:cSld>
-  <p:clrMapOvr>
-    <a:masterClrMapping/>
-  </p:clrMapOvr>
-</p:sld>
-</file>
-
 <file path=ppt/slides/slide3.xml><?xml version="1.0" encoding="utf-8"?>
 <p:sld xmlns:a="http://schemas.openxmlformats.org/drawingml/2006/main" xmlns:r="http://schemas.openxmlformats.org/officeDocument/2006/relationships" xmlns:p="http://schemas.openxmlformats.org/presentationml/2006/main">
   <p:cSld>
@@ -7060,6 +7039,13 @@
   <p:clrMapOvr>
     <a:masterClrMapping/>
   </p:clrMapOvr>
+  <p:timing>
+    <p:tnLst>
+      <p:par>
+        <p:cTn id="1" dur="indefinite" restart="never" nodeType="tmRoot"/>
+      </p:par>
+    </p:tnLst>
+  </p:timing>
 </p:sld>
 </file>
 
@@ -7191,6 +7177,13 @@
   <p:clrMapOvr>
     <a:masterClrMapping/>
   </p:clrMapOvr>
+  <p:timing>
+    <p:tnLst>
+      <p:par>
+        <p:cTn id="1" dur="indefinite" restart="never" nodeType="tmRoot"/>
+      </p:par>
+    </p:tnLst>
+  </p:timing>
 </p:sld>
 </file>
 
@@ -7308,6 +7301,13 @@
   <p:clrMapOvr>
     <a:masterClrMapping/>
   </p:clrMapOvr>
+  <p:timing>
+    <p:tnLst>
+      <p:par>
+        <p:cTn id="1" dur="indefinite" restart="never" nodeType="tmRoot"/>
+      </p:par>
+    </p:tnLst>
+  </p:timing>
 </p:sld>
 </file>
 
@@ -7435,6 +7435,13 @@
   <p:clrMapOvr>
     <a:masterClrMapping/>
   </p:clrMapOvr>
+  <p:timing>
+    <p:tnLst>
+      <p:par>
+        <p:cTn id="1" dur="indefinite" restart="never" nodeType="tmRoot"/>
+      </p:par>
+    </p:tnLst>
+  </p:timing>
 </p:sld>
 </file>
 
@@ -7680,6 +7687,13 @@
   <p:clrMapOvr>
     <a:masterClrMapping/>
   </p:clrMapOvr>
+  <p:timing>
+    <p:tnLst>
+      <p:par>
+        <p:cTn id="1" dur="indefinite" restart="never" nodeType="tmRoot"/>
+      </p:par>
+    </p:tnLst>
+  </p:timing>
 </p:sld>
 </file>
 
@@ -7849,6 +7863,13 @@
   <p:clrMapOvr>
     <a:masterClrMapping/>
   </p:clrMapOvr>
+  <p:timing>
+    <p:tnLst>
+      <p:par>
+        <p:cTn id="1" dur="indefinite" restart="never" nodeType="tmRoot"/>
+      </p:par>
+    </p:tnLst>
+  </p:timing>
 </p:sld>
 </file>
 
@@ -8006,6 +8027,13 @@
   <p:clrMapOvr>
     <a:masterClrMapping/>
   </p:clrMapOvr>
+  <p:timing>
+    <p:tnLst>
+      <p:par>
+        <p:cTn id="1" dur="indefinite" restart="never" nodeType="tmRoot"/>
+      </p:par>
+    </p:tnLst>
+  </p:timing>
 </p:sld>
 </file>
 
